--- a/Agentic AI Health Symptom Checker.pptx
+++ b/Agentic AI Health Symptom Checker.pptx
@@ -5,7 +5,7 @@
     <p:sldMasterId id="2147483712" r:id="rId4"/>
   </p:sldMasterIdLst>
   <p:notesMasterIdLst>
-    <p:notesMasterId r:id="rId22"/>
+    <p:notesMasterId r:id="rId23"/>
   </p:notesMasterIdLst>
   <p:sldIdLst>
     <p:sldId id="256" r:id="rId5"/>
@@ -24,7 +24,8 @@
     <p:sldId id="2146847055" r:id="rId18"/>
     <p:sldId id="2146847059" r:id="rId19"/>
     <p:sldId id="2146847072" r:id="rId20"/>
-    <p:sldId id="259" r:id="rId21"/>
+    <p:sldId id="2146847073" r:id="rId21"/>
+    <p:sldId id="259" r:id="rId22"/>
   </p:sldIdLst>
   <p:sldSz cx="12192000" cy="6858000"/>
   <p:notesSz cx="6858000" cy="9144000"/>
@@ -129,16 +130,6 @@
     </p:ext>
   </p:extLst>
 </p:presentation>
-</file>
-
-<file path=ppt/revisionInfo.xml><?xml version="1.0" encoding="utf-8"?>
-<p1510:revInfo xmlns:a="http://schemas.openxmlformats.org/drawingml/2006/main" xmlns:r="http://schemas.openxmlformats.org/officeDocument/2006/relationships" xmlns:p1510="http://schemas.microsoft.com/office/powerpoint/2015/10/main">
-  <p1510:revLst>
-    <p1510:client id="{392522C5-0B34-8239-4EE4-793E8B6C05A9}" v="255" dt="2025-07-01T09:33:34.532"/>
-    <p1510:client id="{D7F1B23C-5E68-AC61-D210-0912C84FE76E}" v="44" dt="2025-07-01T09:37:32.263"/>
-    <p1510:client id="{D894958A-9A7A-283B-0ADF-D9632CD88E74}" v="14" dt="2025-07-01T10:57:40.261"/>
-  </p1510:revLst>
-</p1510:revInfo>
 </file>
 
 <file path=ppt/notesMasters/notesMaster1.xml><?xml version="1.0" encoding="utf-8"?>
@@ -674,6 +665,114 @@
     <p:extLst>
       <p:ext uri="{BB962C8B-B14F-4D97-AF65-F5344CB8AC3E}">
         <p14:creationId xmlns:p14="http://schemas.microsoft.com/office/powerpoint/2010/main" val="3098652925"/>
+      </p:ext>
+    </p:extLst>
+  </p:cSld>
+  <p:clrMapOvr>
+    <a:masterClrMapping/>
+  </p:clrMapOvr>
+</p:notes>
+</file>
+
+<file path=ppt/notesSlides/notesSlide3.xml><?xml version="1.0" encoding="utf-8"?>
+<p:notes xmlns:a="http://schemas.openxmlformats.org/drawingml/2006/main" xmlns:r="http://schemas.openxmlformats.org/officeDocument/2006/relationships" xmlns:p="http://schemas.openxmlformats.org/presentationml/2006/main">
+  <p:cSld>
+    <p:spTree>
+      <p:nvGrpSpPr>
+        <p:cNvPr id="1" name="">
+          <a:extLst>
+            <a:ext uri="{FF2B5EF4-FFF2-40B4-BE49-F238E27FC236}">
+              <a16:creationId xmlns:a16="http://schemas.microsoft.com/office/drawing/2014/main" id="{20933F14-E0B2-58C8-F62B-F6175AFF1DAC}"/>
+            </a:ext>
+          </a:extLst>
+        </p:cNvPr>
+        <p:cNvGrpSpPr/>
+        <p:nvPr/>
+      </p:nvGrpSpPr>
+      <p:grpSpPr>
+        <a:xfrm>
+          <a:off x="0" y="0"/>
+          <a:ext cx="0" cy="0"/>
+          <a:chOff x="0" y="0"/>
+          <a:chExt cx="0" cy="0"/>
+        </a:xfrm>
+      </p:grpSpPr>
+      <p:sp>
+        <p:nvSpPr>
+          <p:cNvPr id="2" name="Slide Image Placeholder 1">
+            <a:extLst>
+              <a:ext uri="{FF2B5EF4-FFF2-40B4-BE49-F238E27FC236}">
+                <a16:creationId xmlns:a16="http://schemas.microsoft.com/office/drawing/2014/main" id="{4A2F456B-44AD-E423-CEB1-753B41A947B9}"/>
+              </a:ext>
+            </a:extLst>
+          </p:cNvPr>
+          <p:cNvSpPr>
+            <a:spLocks noGrp="1" noRot="1" noChangeAspect="1"/>
+          </p:cNvSpPr>
+          <p:nvPr>
+            <p:ph type="sldImg"/>
+          </p:nvPr>
+        </p:nvSpPr>
+        <p:spPr/>
+      </p:sp>
+      <p:sp>
+        <p:nvSpPr>
+          <p:cNvPr id="3" name="Notes Placeholder 2">
+            <a:extLst>
+              <a:ext uri="{FF2B5EF4-FFF2-40B4-BE49-F238E27FC236}">
+                <a16:creationId xmlns:a16="http://schemas.microsoft.com/office/drawing/2014/main" id="{E3301BAC-83D3-A82D-868A-4D22DE80C670}"/>
+              </a:ext>
+            </a:extLst>
+          </p:cNvPr>
+          <p:cNvSpPr>
+            <a:spLocks noGrp="1"/>
+          </p:cNvSpPr>
+          <p:nvPr>
+            <p:ph type="body" idx="1"/>
+          </p:nvPr>
+        </p:nvSpPr>
+        <p:spPr/>
+        <p:txBody>
+          <a:bodyPr/>
+          <a:lstStyle/>
+          <a:p>
+            <a:endParaRPr lang="en-IN" dirty="0"/>
+          </a:p>
+        </p:txBody>
+      </p:sp>
+      <p:sp>
+        <p:nvSpPr>
+          <p:cNvPr id="4" name="Slide Number Placeholder 3">
+            <a:extLst>
+              <a:ext uri="{FF2B5EF4-FFF2-40B4-BE49-F238E27FC236}">
+                <a16:creationId xmlns:a16="http://schemas.microsoft.com/office/drawing/2014/main" id="{18726CFC-0099-E395-B172-EC2A16F58F4E}"/>
+              </a:ext>
+            </a:extLst>
+          </p:cNvPr>
+          <p:cNvSpPr>
+            <a:spLocks noGrp="1"/>
+          </p:cNvSpPr>
+          <p:nvPr>
+            <p:ph type="sldNum" sz="quarter" idx="5"/>
+          </p:nvPr>
+        </p:nvSpPr>
+        <p:spPr/>
+        <p:txBody>
+          <a:bodyPr/>
+          <a:lstStyle/>
+          <a:p>
+            <a:fld id="{17E254F1-4415-47BF-9E91-C5D4B9A33350}" type="slidenum">
+              <a:rPr lang="en-IN" smtClean="0"/>
+              <a:t>17</a:t>
+            </a:fld>
+            <a:endParaRPr lang="en-IN"/>
+          </a:p>
+        </p:txBody>
+      </p:sp>
+    </p:spTree>
+    <p:extLst>
+      <p:ext uri="{BB962C8B-B14F-4D97-AF65-F5344CB8AC3E}">
+        <p14:creationId xmlns:p14="http://schemas.microsoft.com/office/powerpoint/2010/main" val="1999510966"/>
       </p:ext>
     </p:extLst>
   </p:cSld>
@@ -6092,6 +6191,119 @@
   <p:cSld>
     <p:spTree>
       <p:nvGrpSpPr>
+        <p:cNvPr id="1" name="">
+          <a:extLst>
+            <a:ext uri="{FF2B5EF4-FFF2-40B4-BE49-F238E27FC236}">
+              <a16:creationId xmlns:a16="http://schemas.microsoft.com/office/drawing/2014/main" id="{99112C72-6E77-223A-1665-8DE56771F2BA}"/>
+            </a:ext>
+          </a:extLst>
+        </p:cNvPr>
+        <p:cNvGrpSpPr/>
+        <p:nvPr/>
+      </p:nvGrpSpPr>
+      <p:grpSpPr>
+        <a:xfrm>
+          <a:off x="0" y="0"/>
+          <a:ext cx="0" cy="0"/>
+          <a:chOff x="0" y="0"/>
+          <a:chExt cx="0" cy="0"/>
+        </a:xfrm>
+      </p:grpSpPr>
+      <p:sp>
+        <p:nvSpPr>
+          <p:cNvPr id="2" name="Title 1">
+            <a:extLst>
+              <a:ext uri="{FF2B5EF4-FFF2-40B4-BE49-F238E27FC236}">
+                <a16:creationId xmlns:a16="http://schemas.microsoft.com/office/drawing/2014/main" id="{CADEADEB-4936-AFC0-DB95-0F284D6C8BD7}"/>
+              </a:ext>
+            </a:extLst>
+          </p:cNvPr>
+          <p:cNvSpPr>
+            <a:spLocks noGrp="1"/>
+          </p:cNvSpPr>
+          <p:nvPr>
+            <p:ph type="title"/>
+          </p:nvPr>
+        </p:nvSpPr>
+        <p:spPr/>
+        <p:txBody>
+          <a:bodyPr/>
+          <a:lstStyle/>
+          <a:p>
+            <a:r>
+              <a:rPr lang="en-US" dirty="0">
+                <a:solidFill>
+                  <a:schemeClr val="accent1"/>
+                </a:solidFill>
+              </a:rPr>
+              <a:t>G</a:t>
+            </a:r>
+            <a:r>
+              <a:rPr lang="en-IN" dirty="0">
+                <a:solidFill>
+                  <a:schemeClr val="accent1"/>
+                </a:solidFill>
+              </a:rPr>
+              <a:t>ITHUB LINK</a:t>
+            </a:r>
+          </a:p>
+        </p:txBody>
+      </p:sp>
+      <p:sp>
+        <p:nvSpPr>
+          <p:cNvPr id="4" name="Content Placeholder 3">
+            <a:extLst>
+              <a:ext uri="{FF2B5EF4-FFF2-40B4-BE49-F238E27FC236}">
+                <a16:creationId xmlns:a16="http://schemas.microsoft.com/office/drawing/2014/main" id="{3FBEBD95-E415-DA48-A2A1-34BB551C387B}"/>
+              </a:ext>
+            </a:extLst>
+          </p:cNvPr>
+          <p:cNvSpPr>
+            <a:spLocks noGrp="1"/>
+          </p:cNvSpPr>
+          <p:nvPr>
+            <p:ph idx="1"/>
+          </p:nvPr>
+        </p:nvSpPr>
+        <p:spPr/>
+        <p:txBody>
+          <a:bodyPr/>
+          <a:lstStyle/>
+          <a:p>
+            <a:pPr marL="0" indent="0">
+              <a:buNone/>
+            </a:pPr>
+            <a:r>
+              <a:rPr lang="en-IN" dirty="0">
+                <a:hlinkClick r:id="rId3"/>
+              </a:rPr>
+              <a:t>https://github.com/Kavyaba2004/Health-Agent</a:t>
+            </a:r>
+            <a:r>
+              <a:rPr lang="en-IN" dirty="0"/>
+              <a:t> </a:t>
+            </a:r>
+          </a:p>
+        </p:txBody>
+      </p:sp>
+    </p:spTree>
+    <p:extLst>
+      <p:ext uri="{BB962C8B-B14F-4D97-AF65-F5344CB8AC3E}">
+        <p14:creationId xmlns:p14="http://schemas.microsoft.com/office/powerpoint/2010/main" val="3591968796"/>
+      </p:ext>
+    </p:extLst>
+  </p:cSld>
+  <p:clrMapOvr>
+    <a:masterClrMapping/>
+  </p:clrMapOvr>
+</p:sld>
+</file>
+
+<file path=ppt/slides/slide18.xml><?xml version="1.0" encoding="utf-8"?>
+<p:sld xmlns:a="http://schemas.openxmlformats.org/drawingml/2006/main" xmlns:r="http://schemas.openxmlformats.org/officeDocument/2006/relationships" xmlns:p="http://schemas.openxmlformats.org/presentationml/2006/main">
+  <p:cSld>
+    <p:spTree>
+      <p:nvGrpSpPr>
         <p:cNvPr id="1" name=""/>
         <p:cNvGrpSpPr/>
         <p:nvPr/>
@@ -7107,53 +7319,49 @@
           <a:bodyPr/>
           <a:lstStyle/>
           <a:p>
-            <a:pPr marL="305435" indent="-305435"/>
-            <a:r>
-              <a:rPr lang="en-IN" sz="2800" dirty="0">
+            <a:r>
+              <a:rPr lang="en-US" sz="2800" dirty="0">
                 <a:latin typeface="Times New Roman" panose="02020603050405020304" pitchFamily="18" charset="0"/>
-                <a:ea typeface="+mn-lt"/>
                 <a:cs typeface="Times New Roman" panose="02020603050405020304" pitchFamily="18" charset="0"/>
               </a:rPr>
-              <a:t>Academic Researchers</a:t>
-            </a:r>
-          </a:p>
-          <a:p>
-            <a:pPr marL="305435" indent="-305435"/>
-            <a:r>
-              <a:rPr lang="en-IN" sz="2800" dirty="0">
+              <a:t>General public</a:t>
+            </a:r>
+          </a:p>
+          <a:p>
+            <a:r>
+              <a:rPr lang="en-US" sz="2800" dirty="0">
                 <a:latin typeface="Times New Roman" panose="02020603050405020304" pitchFamily="18" charset="0"/>
-                <a:ea typeface="+mn-lt"/>
                 <a:cs typeface="Times New Roman" panose="02020603050405020304" pitchFamily="18" charset="0"/>
               </a:rPr>
-              <a:t>Research Institutions and Universities</a:t>
-            </a:r>
-          </a:p>
-          <a:p>
-            <a:pPr marL="305435" indent="-305435"/>
-            <a:r>
-              <a:rPr lang="en-IN" sz="2800" dirty="0">
+              <a:t>Rural and urban health seekers</a:t>
+            </a:r>
+          </a:p>
+          <a:p>
+            <a:r>
+              <a:rPr lang="en-US" sz="2800" dirty="0">
                 <a:latin typeface="Times New Roman" panose="02020603050405020304" pitchFamily="18" charset="0"/>
-                <a:ea typeface="+mn-lt"/>
                 <a:cs typeface="Times New Roman" panose="02020603050405020304" pitchFamily="18" charset="0"/>
               </a:rPr>
-              <a:t>Industry R&amp;D Teams</a:t>
-            </a:r>
-          </a:p>
-          <a:p>
-            <a:pPr marL="305435" indent="-305435"/>
-            <a:r>
-              <a:rPr lang="en-IN" sz="2800" dirty="0">
+              <a:t>Digital health platforms</a:t>
+            </a:r>
+          </a:p>
+          <a:p>
+            <a:r>
+              <a:rPr lang="en-US" sz="2800" dirty="0">
                 <a:latin typeface="Times New Roman" panose="02020603050405020304" pitchFamily="18" charset="0"/>
-                <a:ea typeface="+mn-lt"/>
                 <a:cs typeface="Times New Roman" panose="02020603050405020304" pitchFamily="18" charset="0"/>
               </a:rPr>
-              <a:t>Educators</a:t>
-            </a:r>
-            <a:endParaRPr lang="en-IN" sz="2800" dirty="0">
-              <a:latin typeface="Times New Roman" panose="02020603050405020304" pitchFamily="18" charset="0"/>
-              <a:ea typeface="Calibri"/>
-              <a:cs typeface="Times New Roman" panose="02020603050405020304" pitchFamily="18" charset="0"/>
-            </a:endParaRPr>
+              <a:t>Telemedicine services</a:t>
+            </a:r>
+          </a:p>
+          <a:p>
+            <a:r>
+              <a:rPr lang="en-US" sz="2800" dirty="0">
+                <a:latin typeface="Times New Roman" panose="02020603050405020304" pitchFamily="18" charset="0"/>
+                <a:cs typeface="Times New Roman" panose="02020603050405020304" pitchFamily="18" charset="0"/>
+              </a:rPr>
+              <a:t>Government or NGO health outreach teams</a:t>
+            </a:r>
           </a:p>
         </p:txBody>
       </p:sp>
